--- a/Tutoring 1 - Dart 101 pt1.pptx
+++ b/Tutoring 1 - Dart 101 pt1.pptx
@@ -5,12 +5,13 @@
     <p:sldMasterId id="2147483659" r:id="rId1"/>
   </p:sldMasterIdLst>
   <p:notesMasterIdLst>
-    <p:notesMasterId r:id="rId5"/>
+    <p:notesMasterId r:id="rId6"/>
   </p:notesMasterIdLst>
   <p:sldIdLst>
     <p:sldId id="256" r:id="rId2"/>
     <p:sldId id="257" r:id="rId3"/>
-    <p:sldId id="259" r:id="rId4"/>
+    <p:sldId id="258" r:id="rId4"/>
+    <p:sldId id="259" r:id="rId5"/>
   </p:sldIdLst>
   <p:sldSz cx="9144000" cy="5143500" type="screen16x9"/>
   <p:notesSz cx="6858000" cy="9144000"/>
@@ -912,6 +913,110 @@
 </file>
 
 <file path=ppt/notesSlides/notesSlide3.xml><?xml version="1.0" encoding="utf-8"?>
+<p:notes xmlns:a="http://schemas.openxmlformats.org/drawingml/2006/main" xmlns:r="http://schemas.openxmlformats.org/officeDocument/2006/relationships" xmlns:p="http://schemas.openxmlformats.org/presentationml/2006/main" showMasterSp="0" showMasterPhAnim="0">
+  <p:cSld>
+    <p:spTree>
+      <p:nvGrpSpPr>
+        <p:cNvPr id="1" name="Shape 62"/>
+        <p:cNvGrpSpPr/>
+        <p:nvPr/>
+      </p:nvGrpSpPr>
+      <p:grpSpPr>
+        <a:xfrm>
+          <a:off x="0" y="0"/>
+          <a:ext cx="0" cy="0"/>
+          <a:chOff x="0" y="0"/>
+          <a:chExt cx="0" cy="0"/>
+        </a:xfrm>
+      </p:grpSpPr>
+      <p:sp>
+        <p:nvSpPr>
+          <p:cNvPr id="63" name="Google Shape;63;g21416f20f0b_0_13:notes"/>
+          <p:cNvSpPr>
+            <a:spLocks noGrp="1" noRot="1" noChangeAspect="1"/>
+          </p:cNvSpPr>
+          <p:nvPr>
+            <p:ph type="sldImg" idx="2"/>
+          </p:nvPr>
+        </p:nvSpPr>
+        <p:spPr>
+          <a:xfrm>
+            <a:off x="381000" y="685800"/>
+            <a:ext cx="6096000" cy="3429000"/>
+          </a:xfrm>
+          <a:custGeom>
+            <a:avLst/>
+            <a:gdLst/>
+            <a:ahLst/>
+            <a:cxnLst/>
+            <a:rect l="l" t="t" r="r" b="b"/>
+            <a:pathLst>
+              <a:path w="120000" h="120000" extrusionOk="0">
+                <a:moveTo>
+                  <a:pt x="0" y="0"/>
+                </a:moveTo>
+                <a:lnTo>
+                  <a:pt x="120000" y="0"/>
+                </a:lnTo>
+                <a:lnTo>
+                  <a:pt x="120000" y="120000"/>
+                </a:lnTo>
+                <a:lnTo>
+                  <a:pt x="0" y="120000"/>
+                </a:lnTo>
+                <a:close/>
+              </a:path>
+            </a:pathLst>
+          </a:custGeom>
+        </p:spPr>
+      </p:sp>
+      <p:sp>
+        <p:nvSpPr>
+          <p:cNvPr id="64" name="Google Shape;64;g21416f20f0b_0_13:notes"/>
+          <p:cNvSpPr txBox="1">
+            <a:spLocks noGrp="1"/>
+          </p:cNvSpPr>
+          <p:nvPr>
+            <p:ph type="body" idx="1"/>
+          </p:nvPr>
+        </p:nvSpPr>
+        <p:spPr>
+          <a:xfrm>
+            <a:off x="685800" y="4343400"/>
+            <a:ext cx="5486400" cy="4114800"/>
+          </a:xfrm>
+          <a:prstGeom prst="rect">
+            <a:avLst/>
+          </a:prstGeom>
+        </p:spPr>
+        <p:txBody>
+          <a:bodyPr spcFirstLastPara="1" wrap="square" lIns="91425" tIns="91425" rIns="91425" bIns="91425" anchor="t" anchorCtr="0">
+            <a:noAutofit/>
+          </a:bodyPr>
+          <a:lstStyle/>
+          <a:p>
+            <a:pPr marL="0" lvl="0" indent="0" algn="l" rtl="0">
+              <a:spcBef>
+                <a:spcPts val="0"/>
+              </a:spcBef>
+              <a:spcAft>
+                <a:spcPts val="0"/>
+              </a:spcAft>
+              <a:buNone/>
+            </a:pPr>
+            <a:endParaRPr/>
+          </a:p>
+        </p:txBody>
+      </p:sp>
+    </p:spTree>
+  </p:cSld>
+  <p:clrMapOvr>
+    <a:masterClrMapping/>
+  </p:clrMapOvr>
+</p:notes>
+</file>
+
+<file path=ppt/notesSlides/notesSlide4.xml><?xml version="1.0" encoding="utf-8"?>
 <p:notes xmlns:a="http://schemas.openxmlformats.org/drawingml/2006/main" xmlns:r="http://schemas.openxmlformats.org/officeDocument/2006/relationships" xmlns:p="http://schemas.openxmlformats.org/presentationml/2006/main" showMasterSp="0" showMasterPhAnim="0">
   <p:cSld>
     <p:spTree>
@@ -6134,6 +6239,127 @@
   <p:cSld>
     <p:spTree>
       <p:nvGrpSpPr>
+        <p:cNvPr id="1" name="Shape 65"/>
+        <p:cNvGrpSpPr/>
+        <p:nvPr/>
+      </p:nvGrpSpPr>
+      <p:grpSpPr>
+        <a:xfrm>
+          <a:off x="0" y="0"/>
+          <a:ext cx="0" cy="0"/>
+          <a:chOff x="0" y="0"/>
+          <a:chExt cx="0" cy="0"/>
+        </a:xfrm>
+      </p:grpSpPr>
+      <p:sp>
+        <p:nvSpPr>
+          <p:cNvPr id="66" name="Google Shape;66;p15"/>
+          <p:cNvSpPr txBox="1">
+            <a:spLocks noGrp="1"/>
+          </p:cNvSpPr>
+          <p:nvPr>
+            <p:ph type="title"/>
+          </p:nvPr>
+        </p:nvSpPr>
+        <p:spPr>
+          <a:xfrm>
+            <a:off x="311700" y="445025"/>
+            <a:ext cx="8520600" cy="572700"/>
+          </a:xfrm>
+          <a:prstGeom prst="rect">
+            <a:avLst/>
+          </a:prstGeom>
+        </p:spPr>
+        <p:txBody>
+          <a:bodyPr spcFirstLastPara="1" wrap="square" lIns="91425" tIns="91425" rIns="91425" bIns="91425" anchor="t" anchorCtr="0">
+            <a:normAutofit fontScale="90000"/>
+          </a:bodyPr>
+          <a:lstStyle/>
+          <a:p>
+            <a:pPr marL="0" lvl="0" indent="0" algn="l" rtl="0">
+              <a:spcBef>
+                <a:spcPts val="0"/>
+              </a:spcBef>
+              <a:spcAft>
+                <a:spcPts val="0"/>
+              </a:spcAft>
+              <a:buNone/>
+            </a:pPr>
+            <a:r>
+              <a:rPr lang="it"/>
+              <a:t>Additional Exercise 1</a:t>
+            </a:r>
+            <a:endParaRPr/>
+          </a:p>
+          <a:p>
+            <a:pPr marL="0" lvl="0" indent="0" algn="l" rtl="0">
+              <a:spcBef>
+                <a:spcPts val="0"/>
+              </a:spcBef>
+              <a:spcAft>
+                <a:spcPts val="0"/>
+              </a:spcAft>
+              <a:buNone/>
+            </a:pPr>
+            <a:endParaRPr/>
+          </a:p>
+        </p:txBody>
+      </p:sp>
+      <p:sp>
+        <p:nvSpPr>
+          <p:cNvPr id="67" name="Google Shape;67;p15"/>
+          <p:cNvSpPr txBox="1">
+            <a:spLocks noGrp="1"/>
+          </p:cNvSpPr>
+          <p:nvPr>
+            <p:ph type="body" idx="1"/>
+          </p:nvPr>
+        </p:nvSpPr>
+        <p:spPr>
+          <a:xfrm>
+            <a:off x="311700" y="1152475"/>
+            <a:ext cx="8520600" cy="992400"/>
+          </a:xfrm>
+          <a:prstGeom prst="rect">
+            <a:avLst/>
+          </a:prstGeom>
+        </p:spPr>
+        <p:txBody>
+          <a:bodyPr spcFirstLastPara="1" wrap="square" lIns="91425" tIns="91425" rIns="91425" bIns="91425" anchor="t" anchorCtr="0">
+            <a:normAutofit/>
+          </a:bodyPr>
+          <a:lstStyle/>
+          <a:p>
+            <a:pPr marL="0" lvl="0" indent="0" algn="l" rtl="0">
+              <a:spcBef>
+                <a:spcPts val="0"/>
+              </a:spcBef>
+              <a:spcAft>
+                <a:spcPts val="1200"/>
+              </a:spcAft>
+              <a:buNone/>
+            </a:pPr>
+            <a:r>
+              <a:rPr lang="it" dirty="0"/>
+              <a:t>Write a program (function) that takes a list and returns a new list that contains all the elements of the first list minus all the duplicates.</a:t>
+            </a:r>
+            <a:endParaRPr dirty="0"/>
+          </a:p>
+        </p:txBody>
+      </p:sp>
+    </p:spTree>
+  </p:cSld>
+  <p:clrMapOvr>
+    <a:masterClrMapping/>
+  </p:clrMapOvr>
+</p:sld>
+</file>
+
+<file path=ppt/slides/slide4.xml><?xml version="1.0" encoding="utf-8"?>
+<p:sld xmlns:a="http://schemas.openxmlformats.org/drawingml/2006/main" xmlns:r="http://schemas.openxmlformats.org/officeDocument/2006/relationships" xmlns:p="http://schemas.openxmlformats.org/presentationml/2006/main">
+  <p:cSld>
+    <p:spTree>
+      <p:nvGrpSpPr>
         <p:cNvPr id="1" name="Shape 71"/>
         <p:cNvGrpSpPr/>
         <p:nvPr/>
@@ -6187,7 +6413,7 @@
             </a:pPr>
             <a:r>
               <a:rPr lang="it" dirty="0"/>
-              <a:t>Additional Exercise 1</a:t>
+              <a:t>Additional Exercise 2</a:t>
             </a:r>
             <a:endParaRPr dirty="0"/>
           </a:p>
